--- a/LoginDemoServer/Docs/Full Server Project Structure (With Database).pptx
+++ b/LoginDemoServer/Docs/Full Server Project Structure (With Database).pptx
@@ -5956,7 +5956,7 @@
                   <a:prstClr val="black"/>
                 </a:solidFill>
               </a:rPr>
-              <a:t>24/05/07 11:55</a:t>
+              <a:t>24/05/07 12:36</a:t>
             </a:fld>
             <a:endParaRPr lang="en-US">
               <a:solidFill>
@@ -17050,10 +17050,10 @@
       </p:sp>
       <p:pic>
         <p:nvPicPr>
-          <p:cNvPr id="4" name="תמונה 3">
+          <p:cNvPr id="3" name="תמונה 2">
             <a:extLst>
               <a:ext uri="{FF2B5EF4-FFF2-40B4-BE49-F238E27FC236}">
-                <a16:creationId xmlns:a16="http://schemas.microsoft.com/office/drawing/2014/main" id="{554F1931-0B2A-6131-F34F-0AB048436094}"/>
+                <a16:creationId xmlns:a16="http://schemas.microsoft.com/office/drawing/2014/main" id="{80365C9D-09FD-C901-FDC7-DE117F543FDC}"/>
               </a:ext>
             </a:extLst>
           </p:cNvPr>
@@ -17070,8 +17070,8 @@
         </p:blipFill>
         <p:spPr>
           <a:xfrm>
-            <a:off x="193431" y="2221114"/>
-            <a:ext cx="11998569" cy="3256335"/>
+            <a:off x="1122" y="2061970"/>
+            <a:ext cx="11857981" cy="3934383"/>
           </a:xfrm>
           <a:prstGeom prst="rect">
             <a:avLst/>
@@ -18312,21 +18312,12 @@
 </file>
 
 <file path=customXml/item1.xml><?xml version="1.0" encoding="utf-8"?>
-<p:properties xmlns:p="http://schemas.microsoft.com/office/2006/metadata/properties" xmlns:xsi="http://www.w3.org/2001/XMLSchema-instance" xmlns:pc="http://schemas.microsoft.com/office/infopath/2007/PartnerControls">
-  <documentManagement>
-    <_ip_UnifiedCompliancePolicyProperties xmlns="http://schemas.microsoft.com/sharepoint/v3" xsi:nil="true"/>
-    <_ip_UnifiedCompliancePolicyUIAction xmlns="http://schemas.microsoft.com/sharepoint/v3" xsi:nil="true"/>
-    <LastSharedByUser xmlns="11245976-3b4d-4794-a754-317688483df2">jogallow@microsoft.com</LastSharedByUser>
-    <SharedWithUsers xmlns="11245976-3b4d-4794-a754-317688483df2">
-      <UserInfo>
-        <DisplayName>Martin Woodward</DisplayName>
-        <AccountId>67</AccountId>
-        <AccountType/>
-      </UserInfo>
-    </SharedWithUsers>
-    <LastSharedByTime xmlns="11245976-3b4d-4794-a754-317688483df2">2018-03-16T04:12:59+00:00</LastSharedByTime>
-  </documentManagement>
-</p:properties>
+<?mso-contentType ?>
+<FormTemplates xmlns="http://schemas.microsoft.com/sharepoint/v3/contenttype/forms">
+  <Display>DocumentLibraryForm</Display>
+  <Edit>DocumentLibraryForm</Edit>
+  <New>DocumentLibraryForm</New>
+</FormTemplates>
 </file>
 
 <file path=customXml/item2.xml><?xml version="1.0" encoding="utf-8"?>
@@ -18570,21 +18561,27 @@
 </file>
 
 <file path=customXml/item3.xml><?xml version="1.0" encoding="utf-8"?>
-<?mso-contentType ?>
-<FormTemplates xmlns="http://schemas.microsoft.com/sharepoint/v3/contenttype/forms">
-  <Display>DocumentLibraryForm</Display>
-  <Edit>DocumentLibraryForm</Edit>
-  <New>DocumentLibraryForm</New>
-</FormTemplates>
+<p:properties xmlns:p="http://schemas.microsoft.com/office/2006/metadata/properties" xmlns:xsi="http://www.w3.org/2001/XMLSchema-instance" xmlns:pc="http://schemas.microsoft.com/office/infopath/2007/PartnerControls">
+  <documentManagement>
+    <_ip_UnifiedCompliancePolicyProperties xmlns="http://schemas.microsoft.com/sharepoint/v3" xsi:nil="true"/>
+    <_ip_UnifiedCompliancePolicyUIAction xmlns="http://schemas.microsoft.com/sharepoint/v3" xsi:nil="true"/>
+    <LastSharedByUser xmlns="11245976-3b4d-4794-a754-317688483df2">jogallow@microsoft.com</LastSharedByUser>
+    <SharedWithUsers xmlns="11245976-3b4d-4794-a754-317688483df2">
+      <UserInfo>
+        <DisplayName>Martin Woodward</DisplayName>
+        <AccountId>67</AccountId>
+        <AccountType/>
+      </UserInfo>
+    </SharedWithUsers>
+    <LastSharedByTime xmlns="11245976-3b4d-4794-a754-317688483df2">2018-03-16T04:12:59+00:00</LastSharedByTime>
+  </documentManagement>
+</p:properties>
 </file>
 
 <file path=customXml/itemProps1.xml><?xml version="1.0" encoding="utf-8"?>
-<ds:datastoreItem xmlns:ds="http://schemas.openxmlformats.org/officeDocument/2006/customXml" ds:itemID="{D23E43D6-DB2F-4C33-A8C8-D28F777A5DE7}">
+<ds:datastoreItem xmlns:ds="http://schemas.openxmlformats.org/officeDocument/2006/customXml" ds:itemID="{093821A7-5528-48BE-BD00-067FBFDD28D5}">
   <ds:schemaRefs>
-    <ds:schemaRef ds:uri="http://schemas.microsoft.com/office/2006/metadata/properties"/>
-    <ds:schemaRef ds:uri="http://schemas.microsoft.com/office/infopath/2007/PartnerControls"/>
-    <ds:schemaRef ds:uri="http://schemas.microsoft.com/sharepoint/v3"/>
-    <ds:schemaRef ds:uri="11245976-3b4d-4794-a754-317688483df2"/>
+    <ds:schemaRef ds:uri="http://schemas.microsoft.com/sharepoint/v3/contenttype/forms"/>
   </ds:schemaRefs>
 </ds:datastoreItem>
 </file>
@@ -18610,9 +18607,12 @@
 </file>
 
 <file path=customXml/itemProps3.xml><?xml version="1.0" encoding="utf-8"?>
-<ds:datastoreItem xmlns:ds="http://schemas.openxmlformats.org/officeDocument/2006/customXml" ds:itemID="{093821A7-5528-48BE-BD00-067FBFDD28D5}">
+<ds:datastoreItem xmlns:ds="http://schemas.openxmlformats.org/officeDocument/2006/customXml" ds:itemID="{D23E43D6-DB2F-4C33-A8C8-D28F777A5DE7}">
   <ds:schemaRefs>
-    <ds:schemaRef ds:uri="http://schemas.microsoft.com/sharepoint/v3/contenttype/forms"/>
+    <ds:schemaRef ds:uri="http://schemas.microsoft.com/office/2006/metadata/properties"/>
+    <ds:schemaRef ds:uri="http://schemas.microsoft.com/office/infopath/2007/PartnerControls"/>
+    <ds:schemaRef ds:uri="http://schemas.microsoft.com/sharepoint/v3"/>
+    <ds:schemaRef ds:uri="11245976-3b4d-4794-a754-317688483df2"/>
   </ds:schemaRefs>
 </ds:datastoreItem>
 </file>